--- a/output/llama2 mistral/Imagenet training in minutes.pptx
+++ b/output/llama2 mistral/Imagenet training in minutes.pptx
@@ -13,10 +13,6 @@
     <p:sldId id="260" r:id="rId8"/>
     <p:sldId id="261" r:id="rId9"/>
     <p:sldId id="262" r:id="rId10"/>
-    <p:sldId id="263" r:id="rId11"/>
-    <p:sldId id="264" r:id="rId12"/>
-    <p:sldId id="265" r:id="rId13"/>
-    <p:sldId id="266" r:id="rId14"/>
   </p:sldIdLst>
   <p:sldSz cx="9144000" cy="5143500"/>
   <p:notesSz cx="7559675" cy="10691812"/>
@@ -3401,8 +3397,8 @@
 </p:sld>
 </file>
 
-<file path=ppt/slides/slide10.xml><?xml version="1.0" encoding="utf-8"?>
-<p:sld xmlns:a="http://schemas.openxmlformats.org/drawingml/2006/main" xmlns:p="http://schemas.openxmlformats.org/presentationml/2006/main" xmlns:r="http://schemas.openxmlformats.org/officeDocument/2006/relationships">
+<file path=ppt/slides/slide2.xml><?xml version="1.0" encoding="utf-8"?>
+<p:sld xmlns:a="http://schemas.openxmlformats.org/drawingml/2006/main" xmlns:p="http://schemas.openxmlformats.org/presentationml/2006/main" xmlns:r="http://schemas.openxmlformats.org/officeDocument/2006/relationships" xmlns:p14="http://schemas.microsoft.com/office/powerpoint/2010/main" xmlns:p15="http://schemas.microsoft.com/office/powerpoint/2012/main" xmlns:mc="http://schemas.openxmlformats.org/markup-compatibility/2006">
   <p:cSld>
     <p:spTree>
       <p:nvGrpSpPr>
@@ -3410,7 +3406,14 @@
         <p:cNvGrpSpPr/>
         <p:nvPr/>
       </p:nvGrpSpPr>
-      <p:grpSpPr/>
+      <p:grpSpPr>
+        <a:xfrm>
+          <a:off x="0" y="0"/>
+          <a:ext cx="0" cy="0"/>
+          <a:chOff x="0" y="0"/>
+          <a:chExt cx="0" cy="0"/>
+        </a:xfrm>
+      </p:grpSpPr>
       <p:sp>
         <p:nvSpPr>
           <p:cNvPr id="78" name="CustomShape 1"/>
@@ -3457,7 +3460,7 @@
                 <a:latin typeface="Montserrat ExtraBold"/>
                 <a:ea typeface="Montserrat ExtraBold"/>
               </a:rPr>
-              <a:t>Impact of Data Augmentation on Accuracy</a:t>
+              <a:t> Introduction to Scaling Deep Learning Training with Large Batches using LARS Algorithm</a:t>
             </a:r>
             <a:endParaRPr b="0" lang="en-US" sz="2400" spc="-1" strike="noStrike">
               <a:latin typeface="Arial"/>
@@ -3511,7 +3514,11 @@
                 <a:latin typeface="Montserrat"/>
                 <a:ea typeface="Montserrat"/>
               </a:rPr>
-              <a:t>Exploring the impact of data augmentation on training accuracy and the optimization of batch sizes for achieving desired results.</a:t>
+              <a:t>
+- Paper investigates scaling deep neural network training on ImageNet with large batch sizes and the LARS algorithm
+- Proposes a method for large-batch training of DNNs using NVIDIA Kubernetes platform
+- Combines linear scaling and warmup techniques to achieve high accuracy with large batch sizes
+</a:t>
             </a:r>
             <a:endParaRPr b="0" lang="en-US" sz="2000" spc="-1" strike="noStrike">
               <a:latin typeface="Arial"/>
@@ -3599,13 +3606,18 @@
       </p:sp>
     </p:spTree>
   </p:cSld>
-  <p:clrMapOvr>
-    <a:masterClrMapping/>
-  </p:clrMapOvr>
+  <mc:AlternateContent>
+    <mc:Choice Requires="p14">
+      <p:transition spd="slow" p14:dur="2000"/>
+    </mc:Choice>
+    <mc:Fallback>
+      <p:transition spd="slow"/>
+    </mc:Fallback>
+  </mc:AlternateContent>
 </p:sld>
 </file>
 
-<file path=ppt/slides/slide11.xml><?xml version="1.0" encoding="utf-8"?>
+<file path=ppt/slides/slide3.xml><?xml version="1.0" encoding="utf-8"?>
 <p:sld xmlns:a="http://schemas.openxmlformats.org/drawingml/2006/main" xmlns:p="http://schemas.openxmlformats.org/presentationml/2006/main" xmlns:r="http://schemas.openxmlformats.org/officeDocument/2006/relationships">
   <p:cSld>
     <p:spTree>
@@ -3661,7 +3673,7 @@
                 <a:latin typeface="Montserrat ExtraBold"/>
                 <a:ea typeface="Montserrat ExtraBold"/>
               </a:rPr>
-              <a:t>Future Directions and Acknowledgments</a:t>
+              <a:t> Background</a:t>
             </a:r>
             <a:endParaRPr b="0" lang="en-US" sz="2400" spc="-1" strike="noStrike">
               <a:latin typeface="Arial"/>
@@ -3715,7 +3727,10 @@
                 <a:latin typeface="Montserrat"/>
                 <a:ea typeface="Montserrat"/>
               </a:rPr>
-              <a:t>Outlining potential future research directions and acknowledging support from various organizations and foundations.</a:t>
+              <a:t>
+- Two approaches for large batch training: poly learning rate policy with batch normalization and LARS algorithm
+- Large batches can significantly speed up training process without sacrificing accuracy
+</a:t>
             </a:r>
             <a:endParaRPr b="0" lang="en-US" sz="2000" spc="-1" strike="noStrike">
               <a:latin typeface="Arial"/>
@@ -3809,8 +3824,8 @@
 </p:sld>
 </file>
 
-<file path=ppt/slides/slide2.xml><?xml version="1.0" encoding="utf-8"?>
-<p:sld xmlns:a="http://schemas.openxmlformats.org/drawingml/2006/main" xmlns:p="http://schemas.openxmlformats.org/presentationml/2006/main" xmlns:r="http://schemas.openxmlformats.org/officeDocument/2006/relationships" xmlns:p14="http://schemas.microsoft.com/office/powerpoint/2010/main" xmlns:p15="http://schemas.microsoft.com/office/powerpoint/2012/main" xmlns:mc="http://schemas.openxmlformats.org/markup-compatibility/2006">
+<file path=ppt/slides/slide4.xml><?xml version="1.0" encoding="utf-8"?>
+<p:sld xmlns:a="http://schemas.openxmlformats.org/drawingml/2006/main" xmlns:p="http://schemas.openxmlformats.org/presentationml/2006/main" xmlns:r="http://schemas.openxmlformats.org/officeDocument/2006/relationships">
   <p:cSld>
     <p:spTree>
       <p:nvGrpSpPr>
@@ -3818,14 +3833,7 @@
         <p:cNvGrpSpPr/>
         <p:nvPr/>
       </p:nvGrpSpPr>
-      <p:grpSpPr>
-        <a:xfrm>
-          <a:off x="0" y="0"/>
-          <a:ext cx="0" cy="0"/>
-          <a:chOff x="0" y="0"/>
-          <a:chExt cx="0" cy="0"/>
-        </a:xfrm>
-      </p:grpSpPr>
+      <p:grpSpPr/>
       <p:sp>
         <p:nvSpPr>
           <p:cNvPr id="78" name="CustomShape 1"/>
@@ -3872,7 +3880,7 @@
                 <a:latin typeface="Montserrat ExtraBold"/>
                 <a:ea typeface="Montserrat ExtraBold"/>
               </a:rPr>
-              <a:t>Introduction to Deep Neural Networks and ImageNet Benchmark</a:t>
+              <a:t> Proposed Algorithm</a:t>
             </a:r>
             <a:endParaRPr b="0" lang="en-US" sz="2400" spc="-1" strike="noStrike">
               <a:latin typeface="Arial"/>
@@ -3926,7 +3934,10 @@
                 <a:latin typeface="Montserrat"/>
                 <a:ea typeface="Montserrat"/>
               </a:rPr>
-              <a:t>Overview of ImageNet-1k benchmark set and the significance of deep neural net models in various industries.</a:t>
+              <a:t>
+- Synchronous stochastic gradient descent (SGD) approach with a warm-up scheme and linear scaling rule
+- Increase batch size while maintaining accuracy
+</a:t>
             </a:r>
             <a:endParaRPr b="0" lang="en-US" sz="2000" spc="-1" strike="noStrike">
               <a:latin typeface="Arial"/>
@@ -4014,18 +4025,13 @@
       </p:sp>
     </p:spTree>
   </p:cSld>
-  <mc:AlternateContent>
-    <mc:Choice Requires="p14">
-      <p:transition spd="slow" p14:dur="2000"/>
-    </mc:Choice>
-    <mc:Fallback>
-      <p:transition spd="slow"/>
-    </mc:Fallback>
-  </mc:AlternateContent>
+  <p:clrMapOvr>
+    <a:masterClrMapping/>
+  </p:clrMapOvr>
 </p:sld>
 </file>
 
-<file path=ppt/slides/slide3.xml><?xml version="1.0" encoding="utf-8"?>
+<file path=ppt/slides/slide5.xml><?xml version="1.0" encoding="utf-8"?>
 <p:sld xmlns:a="http://schemas.openxmlformats.org/drawingml/2006/main" xmlns:p="http://schemas.openxmlformats.org/presentationml/2006/main" xmlns:r="http://schemas.openxmlformats.org/officeDocument/2006/relationships">
   <p:cSld>
     <p:spTree>
@@ -4081,7 +4087,7 @@
                 <a:latin typeface="Montserrat ExtraBold"/>
                 <a:ea typeface="Montserrat ExtraBold"/>
               </a:rPr>
-              <a:t>Training Deep Neural Networks on Supercomputers</a:t>
+              <a:t> Results</a:t>
             </a:r>
             <a:endParaRPr b="0" lang="en-US" sz="2400" spc="-1" strike="noStrike">
               <a:latin typeface="Arial"/>
@@ -4135,7 +4141,10 @@
                 <a:latin typeface="Montserrat"/>
                 <a:ea typeface="Montserrat"/>
               </a:rPr>
-              <a:t>Details on training ResNet-50 on a NVIDIA M40 GPU and the potential applications of DNNs in autonomous driving, oil and gas exploration, and medical imaging.</a:t>
+              <a:t>
+- Achieved 74.9% top-1 test accuracy in 15 minutes with a batch size of 32K
+- Faster than previous best result with a batch size of 8K
+</a:t>
             </a:r>
             <a:endParaRPr b="0" lang="en-US" sz="2000" spc="-1" strike="noStrike">
               <a:latin typeface="Arial"/>
@@ -4229,7 +4238,7 @@
 </p:sld>
 </file>
 
-<file path=ppt/slides/slide4.xml><?xml version="1.0" encoding="utf-8"?>
+<file path=ppt/slides/slide6.xml><?xml version="1.0" encoding="utf-8"?>
 <p:sld xmlns:a="http://schemas.openxmlformats.org/drawingml/2006/main" xmlns:p="http://schemas.openxmlformats.org/presentationml/2006/main" xmlns:r="http://schemas.openxmlformats.org/officeDocument/2006/relationships">
   <p:cSld>
     <p:spTree>
@@ -4285,7 +4294,7 @@
                 <a:latin typeface="Montserrat ExtraBold"/>
                 <a:ea typeface="Montserrat ExtraBold"/>
               </a:rPr>
-              <a:t>Synchronous Stochastic Gradient Descent</a:t>
+              <a:t> Impact of Data Augmentation on Scaling Up Batch Sizes</a:t>
             </a:r>
             <a:endParaRPr b="0" lang="en-US" sz="2400" spc="-1" strike="noStrike">
               <a:latin typeface="Arial"/>
@@ -4339,7 +4348,10 @@
                 <a:latin typeface="Montserrat"/>
                 <a:ea typeface="Montserrat"/>
               </a:rPr>
-              <a:t>The use of synchronous SGD for scaling ImageNet training, including the need for increased batch sizes and the capabilities of the fastest supercomputer.</a:t>
+              <a:t>
+- Can be scaled up to larger batch sizes without sacrificing accuracy
+- Demonstrated the effectiveness of data augmentation in large-batch training
+</a:t>
             </a:r>
             <a:endParaRPr b="0" lang="en-US" sz="2000" spc="-1" strike="noStrike">
               <a:latin typeface="Arial"/>
@@ -4433,7 +4445,7 @@
 </p:sld>
 </file>
 
-<file path=ppt/slides/slide5.xml><?xml version="1.0" encoding="utf-8"?>
+<file path=ppt/slides/slide7.xml><?xml version="1.0" encoding="utf-8"?>
 <p:sld xmlns:a="http://schemas.openxmlformats.org/drawingml/2006/main" xmlns:p="http://schemas.openxmlformats.org/presentationml/2006/main" xmlns:r="http://schemas.openxmlformats.org/officeDocument/2006/relationships">
   <p:cSld>
     <p:spTree>
@@ -4489,7 +4501,7 @@
                 <a:latin typeface="Montserrat ExtraBold"/>
                 <a:ea typeface="Montserrat ExtraBold"/>
               </a:rPr>
-              <a:t>Scaling ResNet 50 and AlexNet</a:t>
+              <a:t> Conclusion</a:t>
             </a:r>
             <a:endParaRPr b="0" lang="en-US" sz="2400" spc="-1" strike="noStrike">
               <a:latin typeface="Arial"/>
@@ -4543,823 +4555,9 @@
                 <a:latin typeface="Montserrat"/>
                 <a:ea typeface="Montserrat"/>
               </a:rPr>
-              <a:t>Scaling ResNet 50 to 256 Nvidia P100's with a batch size of 8K and training AlexNet with 74% accuracy on 2048 KNLs.</a:t>
-            </a:r>
-            <a:endParaRPr b="0" lang="en-US" sz="2000" spc="-1" strike="noStrike">
-              <a:latin typeface="Arial"/>
-            </a:endParaRPr>
-          </a:p>
-          <a:p>
-            <a:pPr>
-              <a:lnSpc>
-                <a:spcPct val="100000"/>
-              </a:lnSpc>
-              <a:tabLst>
-                <a:tab algn="l" pos="0"/>
-              </a:tabLst>
-            </a:pPr>
-            <a:endParaRPr b="0" lang="en-US" sz="2000" spc="-1" strike="noStrike">
-              <a:latin typeface="Arial"/>
-            </a:endParaRPr>
-          </a:p>
-          <a:p>
-            <a:pPr>
-              <a:lnSpc>
-                <a:spcPct val="100000"/>
-              </a:lnSpc>
-              <a:spcAft>
-                <a:spcPts val="1599"/>
-              </a:spcAft>
-              <a:tabLst>
-                <a:tab algn="l" pos="0"/>
-              </a:tabLst>
-            </a:pPr>
-            <a:endParaRPr b="0" lang="en-US" sz="2000" spc="-1" strike="noStrike">
-              <a:latin typeface="Arial"/>
-            </a:endParaRPr>
-          </a:p>
-        </p:txBody>
-      </p:sp>
-      <p:sp>
-        <p:nvSpPr>
-          <p:cNvPr id="80" name="CustomShape 3"/>
-          <p:cNvSpPr/>
-          <p:nvPr/>
-        </p:nvSpPr>
-        <p:spPr>
-          <a:xfrm>
-            <a:off x="1026360" y="414000"/>
-            <a:ext cx="2760840" cy="360"/>
-          </a:xfrm>
-          <a:custGeom>
-            <a:avLst/>
-            <a:gdLst/>
-            <a:ahLst/>
-            <a:rect l="l" t="t" r="r" b="b"/>
-            <a:pathLst>
-              <a:path w="21600" h="21600">
-                <a:moveTo>
-                  <a:pt x="0" y="0"/>
-                </a:moveTo>
-                <a:lnTo>
-                  <a:pt x="21600" y="21600"/>
-                </a:lnTo>
-              </a:path>
-            </a:pathLst>
-          </a:custGeom>
-          <a:noFill/>
-          <a:ln w="9360">
-            <a:solidFill>
-              <a:schemeClr val="accent1"/>
-            </a:solidFill>
-            <a:round/>
-          </a:ln>
-          <a:effectLst>
-            <a:outerShdw algn="bl" blurRad="57150" dir="5400000" dist="19080" rotWithShape="0">
-              <a:srgbClr val="ffffff">
-                <a:alpha val="50000"/>
-              </a:srgbClr>
-            </a:outerShdw>
-          </a:effectLst>
-        </p:spPr>
-        <p:style>
-          <a:lnRef idx="0"/>
-          <a:fillRef idx="0"/>
-          <a:effectRef idx="0"/>
-          <a:fontRef idx="minor"/>
-        </p:style>
-      </p:sp>
-    </p:spTree>
-  </p:cSld>
-  <p:clrMapOvr>
-    <a:masterClrMapping/>
-  </p:clrMapOvr>
-</p:sld>
-</file>
-
-<file path=ppt/slides/slide6.xml><?xml version="1.0" encoding="utf-8"?>
-<p:sld xmlns:a="http://schemas.openxmlformats.org/drawingml/2006/main" xmlns:p="http://schemas.openxmlformats.org/presentationml/2006/main" xmlns:r="http://schemas.openxmlformats.org/officeDocument/2006/relationships">
-  <p:cSld>
-    <p:spTree>
-      <p:nvGrpSpPr>
-        <p:cNvPr id="1" name=""/>
-        <p:cNvGrpSpPr/>
-        <p:nvPr/>
-      </p:nvGrpSpPr>
-      <p:grpSpPr/>
-      <p:sp>
-        <p:nvSpPr>
-          <p:cNvPr id="78" name="CustomShape 1"/>
-          <p:cNvSpPr/>
-          <p:nvPr/>
-        </p:nvSpPr>
-        <p:spPr>
-          <a:xfrm>
-            <a:off x="938520" y="444960"/>
-            <a:ext cx="5733720" cy="939240"/>
-          </a:xfrm>
-          <a:prstGeom prst="rect">
-            <a:avLst/>
-          </a:prstGeom>
-          <a:noFill/>
-          <a:ln>
-            <a:noFill/>
-          </a:ln>
-        </p:spPr>
-        <p:style>
-          <a:lnRef idx="0"/>
-          <a:fillRef idx="0"/>
-          <a:effectRef idx="0"/>
-          <a:fontRef idx="minor"/>
-        </p:style>
-        <p:txBody>
-          <a:bodyPr lIns="90000" rIns="90000" tIns="91440" bIns="91440">
-            <a:noAutofit/>
-          </a:bodyPr>
-          <a:p>
-            <a:pPr>
-              <a:lnSpc>
-                <a:spcPct val="100000"/>
-              </a:lnSpc>
-              <a:tabLst>
-                <a:tab algn="l" pos="0"/>
-              </a:tabLst>
-            </a:pPr>
-            <a:r>
-              <a:rPr b="0" lang="en" sz="2400" spc="-1" strike="noStrike">
-                <a:solidFill>
-                  <a:srgbClr val="ffab40"/>
-                </a:solidFill>
-                <a:latin typeface="Montserrat ExtraBold"/>
-                <a:ea typeface="Montserrat ExtraBold"/>
-              </a:rPr>
-              <a:t>Data Parallelism and Model Parallelism</a:t>
-            </a:r>
-            <a:endParaRPr b="0" lang="en-US" sz="2400" spc="-1" strike="noStrike">
-              <a:latin typeface="Arial"/>
-            </a:endParaRPr>
-          </a:p>
-        </p:txBody>
-      </p:sp>
-      <p:sp>
-        <p:nvSpPr>
-          <p:cNvPr id="79" name="CustomShape 2"/>
-          <p:cNvSpPr/>
-          <p:nvPr/>
-        </p:nvSpPr>
-        <p:spPr>
-          <a:xfrm>
-            <a:off x="914400" y="1280160"/>
-            <a:ext cx="6924240" cy="2925000"/>
-          </a:xfrm>
-          <a:prstGeom prst="rect">
-            <a:avLst/>
-          </a:prstGeom>
-          <a:noFill/>
-          <a:ln>
-            <a:noFill/>
-          </a:ln>
-        </p:spPr>
-        <p:style>
-          <a:lnRef idx="0"/>
-          <a:fillRef idx="0"/>
-          <a:effectRef idx="0"/>
-          <a:fontRef idx="minor"/>
-        </p:style>
-        <p:txBody>
-          <a:bodyPr lIns="90000" rIns="90000" tIns="91440" bIns="91440">
-            <a:noAutofit/>
-          </a:bodyPr>
-          <a:p>
-            <a:pPr>
-              <a:lnSpc>
-                <a:spcPct val="100000"/>
-              </a:lnSpc>
-              <a:tabLst>
-                <a:tab algn="l" pos="0"/>
-              </a:tabLst>
-            </a:pPr>
-            <a:r>
-              <a:rPr b="0" lang="en" sz="2000" spc="-1" strike="noStrike">
-                <a:solidFill>
-                  <a:srgbClr val="ffffff"/>
-                </a:solidFill>
-                <a:latin typeface="Montserrat"/>
-                <a:ea typeface="Montserrat"/>
-              </a:rPr>
-              <a:t>Exploring data parallelism and model parallelism in training large-scale deep neural networks on P machines/processors.</a:t>
-            </a:r>
-            <a:endParaRPr b="0" lang="en-US" sz="2000" spc="-1" strike="noStrike">
-              <a:latin typeface="Arial"/>
-            </a:endParaRPr>
-          </a:p>
-          <a:p>
-            <a:pPr>
-              <a:lnSpc>
-                <a:spcPct val="100000"/>
-              </a:lnSpc>
-              <a:tabLst>
-                <a:tab algn="l" pos="0"/>
-              </a:tabLst>
-            </a:pPr>
-            <a:endParaRPr b="0" lang="en-US" sz="2000" spc="-1" strike="noStrike">
-              <a:latin typeface="Arial"/>
-            </a:endParaRPr>
-          </a:p>
-          <a:p>
-            <a:pPr>
-              <a:lnSpc>
-                <a:spcPct val="100000"/>
-              </a:lnSpc>
-              <a:spcAft>
-                <a:spcPts val="1599"/>
-              </a:spcAft>
-              <a:tabLst>
-                <a:tab algn="l" pos="0"/>
-              </a:tabLst>
-            </a:pPr>
-            <a:endParaRPr b="0" lang="en-US" sz="2000" spc="-1" strike="noStrike">
-              <a:latin typeface="Arial"/>
-            </a:endParaRPr>
-          </a:p>
-        </p:txBody>
-      </p:sp>
-      <p:sp>
-        <p:nvSpPr>
-          <p:cNvPr id="80" name="CustomShape 3"/>
-          <p:cNvSpPr/>
-          <p:nvPr/>
-        </p:nvSpPr>
-        <p:spPr>
-          <a:xfrm>
-            <a:off x="1026360" y="414000"/>
-            <a:ext cx="2760840" cy="360"/>
-          </a:xfrm>
-          <a:custGeom>
-            <a:avLst/>
-            <a:gdLst/>
-            <a:ahLst/>
-            <a:rect l="l" t="t" r="r" b="b"/>
-            <a:pathLst>
-              <a:path w="21600" h="21600">
-                <a:moveTo>
-                  <a:pt x="0" y="0"/>
-                </a:moveTo>
-                <a:lnTo>
-                  <a:pt x="21600" y="21600"/>
-                </a:lnTo>
-              </a:path>
-            </a:pathLst>
-          </a:custGeom>
-          <a:noFill/>
-          <a:ln w="9360">
-            <a:solidFill>
-              <a:schemeClr val="accent1"/>
-            </a:solidFill>
-            <a:round/>
-          </a:ln>
-          <a:effectLst>
-            <a:outerShdw algn="bl" blurRad="57150" dir="5400000" dist="19080" rotWithShape="0">
-              <a:srgbClr val="ffffff">
-                <a:alpha val="50000"/>
-              </a:srgbClr>
-            </a:outerShdw>
-          </a:effectLst>
-        </p:spPr>
-        <p:style>
-          <a:lnRef idx="0"/>
-          <a:fillRef idx="0"/>
-          <a:effectRef idx="0"/>
-          <a:fontRef idx="minor"/>
-        </p:style>
-      </p:sp>
-    </p:spTree>
-  </p:cSld>
-  <p:clrMapOvr>
-    <a:masterClrMapping/>
-  </p:clrMapOvr>
-</p:sld>
-</file>
-
-<file path=ppt/slides/slide7.xml><?xml version="1.0" encoding="utf-8"?>
-<p:sld xmlns:a="http://schemas.openxmlformats.org/drawingml/2006/main" xmlns:p="http://schemas.openxmlformats.org/presentationml/2006/main" xmlns:r="http://schemas.openxmlformats.org/officeDocument/2006/relationships">
-  <p:cSld>
-    <p:spTree>
-      <p:nvGrpSpPr>
-        <p:cNvPr id="1" name=""/>
-        <p:cNvGrpSpPr/>
-        <p:nvPr/>
-      </p:nvGrpSpPr>
-      <p:grpSpPr/>
-      <p:sp>
-        <p:nvSpPr>
-          <p:cNvPr id="78" name="CustomShape 1"/>
-          <p:cNvSpPr/>
-          <p:nvPr/>
-        </p:nvSpPr>
-        <p:spPr>
-          <a:xfrm>
-            <a:off x="938520" y="444960"/>
-            <a:ext cx="5733720" cy="939240"/>
-          </a:xfrm>
-          <a:prstGeom prst="rect">
-            <a:avLst/>
-          </a:prstGeom>
-          <a:noFill/>
-          <a:ln>
-            <a:noFill/>
-          </a:ln>
-        </p:spPr>
-        <p:style>
-          <a:lnRef idx="0"/>
-          <a:fillRef idx="0"/>
-          <a:effectRef idx="0"/>
-          <a:fontRef idx="minor"/>
-        </p:style>
-        <p:txBody>
-          <a:bodyPr lIns="90000" rIns="90000" tIns="91440" bIns="91440">
-            <a:noAutofit/>
-          </a:bodyPr>
-          <a:p>
-            <a:pPr>
-              <a:lnSpc>
-                <a:spcPct val="100000"/>
-              </a:lnSpc>
-              <a:tabLst>
-                <a:tab algn="l" pos="0"/>
-              </a:tabLst>
-            </a:pPr>
-            <a:r>
-              <a:rPr b="0" lang="en" sz="2400" spc="-1" strike="noStrike">
-                <a:solidFill>
-                  <a:srgbClr val="ffab40"/>
-                </a:solidFill>
-                <a:latin typeface="Montserrat ExtraBold"/>
-                <a:ea typeface="Montserrat ExtraBold"/>
-              </a:rPr>
-              <a:t>Communication Approaches in Large Batch Training</a:t>
-            </a:r>
-            <a:endParaRPr b="0" lang="en-US" sz="2400" spc="-1" strike="noStrike">
-              <a:latin typeface="Arial"/>
-            </a:endParaRPr>
-          </a:p>
-        </p:txBody>
-      </p:sp>
-      <p:sp>
-        <p:nvSpPr>
-          <p:cNvPr id="79" name="CustomShape 2"/>
-          <p:cNvSpPr/>
-          <p:nvPr/>
-        </p:nvSpPr>
-        <p:spPr>
-          <a:xfrm>
-            <a:off x="914400" y="1280160"/>
-            <a:ext cx="6924240" cy="2925000"/>
-          </a:xfrm>
-          <a:prstGeom prst="rect">
-            <a:avLst/>
-          </a:prstGeom>
-          <a:noFill/>
-          <a:ln>
-            <a:noFill/>
-          </a:ln>
-        </p:spPr>
-        <p:style>
-          <a:lnRef idx="0"/>
-          <a:fillRef idx="0"/>
-          <a:effectRef idx="0"/>
-          <a:fontRef idx="minor"/>
-        </p:style>
-        <p:txBody>
-          <a:bodyPr lIns="90000" rIns="90000" tIns="91440" bIns="91440">
-            <a:noAutofit/>
-          </a:bodyPr>
-          <a:p>
-            <a:pPr>
-              <a:lnSpc>
-                <a:spcPct val="100000"/>
-              </a:lnSpc>
-              <a:tabLst>
-                <a:tab algn="l" pos="0"/>
-              </a:tabLst>
-            </a:pPr>
-            <a:r>
-              <a:rPr b="0" lang="en" sz="2000" spc="-1" strike="noStrike">
-                <a:solidFill>
-                  <a:srgbClr val="ffffff"/>
-                </a:solidFill>
-                <a:latin typeface="Montserrat"/>
-                <a:ea typeface="Montserrat"/>
-              </a:rPr>
-              <a:t>Understanding the communication requirements in large batch training and the usage of parameter servers in commercial applications.</a:t>
-            </a:r>
-            <a:endParaRPr b="0" lang="en-US" sz="2000" spc="-1" strike="noStrike">
-              <a:latin typeface="Arial"/>
-            </a:endParaRPr>
-          </a:p>
-          <a:p>
-            <a:pPr>
-              <a:lnSpc>
-                <a:spcPct val="100000"/>
-              </a:lnSpc>
-              <a:tabLst>
-                <a:tab algn="l" pos="0"/>
-              </a:tabLst>
-            </a:pPr>
-            <a:endParaRPr b="0" lang="en-US" sz="2000" spc="-1" strike="noStrike">
-              <a:latin typeface="Arial"/>
-            </a:endParaRPr>
-          </a:p>
-          <a:p>
-            <a:pPr>
-              <a:lnSpc>
-                <a:spcPct val="100000"/>
-              </a:lnSpc>
-              <a:spcAft>
-                <a:spcPts val="1599"/>
-              </a:spcAft>
-              <a:tabLst>
-                <a:tab algn="l" pos="0"/>
-              </a:tabLst>
-            </a:pPr>
-            <a:endParaRPr b="0" lang="en-US" sz="2000" spc="-1" strike="noStrike">
-              <a:latin typeface="Arial"/>
-            </a:endParaRPr>
-          </a:p>
-        </p:txBody>
-      </p:sp>
-      <p:sp>
-        <p:nvSpPr>
-          <p:cNvPr id="80" name="CustomShape 3"/>
-          <p:cNvSpPr/>
-          <p:nvPr/>
-        </p:nvSpPr>
-        <p:spPr>
-          <a:xfrm>
-            <a:off x="1026360" y="414000"/>
-            <a:ext cx="2760840" cy="360"/>
-          </a:xfrm>
-          <a:custGeom>
-            <a:avLst/>
-            <a:gdLst/>
-            <a:ahLst/>
-            <a:rect l="l" t="t" r="r" b="b"/>
-            <a:pathLst>
-              <a:path w="21600" h="21600">
-                <a:moveTo>
-                  <a:pt x="0" y="0"/>
-                </a:moveTo>
-                <a:lnTo>
-                  <a:pt x="21600" y="21600"/>
-                </a:lnTo>
-              </a:path>
-            </a:pathLst>
-          </a:custGeom>
-          <a:noFill/>
-          <a:ln w="9360">
-            <a:solidFill>
-              <a:schemeClr val="accent1"/>
-            </a:solidFill>
-            <a:round/>
-          </a:ln>
-          <a:effectLst>
-            <a:outerShdw algn="bl" blurRad="57150" dir="5400000" dist="19080" rotWithShape="0">
-              <a:srgbClr val="ffffff">
-                <a:alpha val="50000"/>
-              </a:srgbClr>
-            </a:outerShdw>
-          </a:effectLst>
-        </p:spPr>
-        <p:style>
-          <a:lnRef idx="0"/>
-          <a:fillRef idx="0"/>
-          <a:effectRef idx="0"/>
-          <a:fontRef idx="minor"/>
-        </p:style>
-      </p:sp>
-    </p:spTree>
-  </p:cSld>
-  <p:clrMapOvr>
-    <a:masterClrMapping/>
-  </p:clrMapOvr>
-</p:sld>
-</file>
-
-<file path=ppt/slides/slide8.xml><?xml version="1.0" encoding="utf-8"?>
-<p:sld xmlns:a="http://schemas.openxmlformats.org/drawingml/2006/main" xmlns:p="http://schemas.openxmlformats.org/presentationml/2006/main" xmlns:r="http://schemas.openxmlformats.org/officeDocument/2006/relationships">
-  <p:cSld>
-    <p:spTree>
-      <p:nvGrpSpPr>
-        <p:cNvPr id="1" name=""/>
-        <p:cNvGrpSpPr/>
-        <p:nvPr/>
-      </p:nvGrpSpPr>
-      <p:grpSpPr/>
-      <p:sp>
-        <p:nvSpPr>
-          <p:cNvPr id="78" name="CustomShape 1"/>
-          <p:cNvSpPr/>
-          <p:nvPr/>
-        </p:nvSpPr>
-        <p:spPr>
-          <a:xfrm>
-            <a:off x="938520" y="444960"/>
-            <a:ext cx="5733720" cy="939240"/>
-          </a:xfrm>
-          <a:prstGeom prst="rect">
-            <a:avLst/>
-          </a:prstGeom>
-          <a:noFill/>
-          <a:ln>
-            <a:noFill/>
-          </a:ln>
-        </p:spPr>
-        <p:style>
-          <a:lnRef idx="0"/>
-          <a:fillRef idx="0"/>
-          <a:effectRef idx="0"/>
-          <a:fontRef idx="minor"/>
-        </p:style>
-        <p:txBody>
-          <a:bodyPr lIns="90000" rIns="90000" tIns="91440" bIns="91440">
-            <a:noAutofit/>
-          </a:bodyPr>
-          <a:p>
-            <a:pPr>
-              <a:lnSpc>
-                <a:spcPct val="100000"/>
-              </a:lnSpc>
-              <a:tabLst>
-                <a:tab algn="l" pos="0"/>
-              </a:tabLst>
-            </a:pPr>
-            <a:r>
-              <a:rPr b="0" lang="en" sz="2400" spc="-1" strike="noStrike">
-                <a:solidFill>
-                  <a:srgbClr val="ffab40"/>
-                </a:solidFill>
-                <a:latin typeface="Montserrat ExtraBold"/>
-                <a:ea typeface="Montserrat ExtraBold"/>
-              </a:rPr>
-              <a:t>Performance Optimization with Large Batch Sizes</a:t>
-            </a:r>
-            <a:endParaRPr b="0" lang="en-US" sz="2400" spc="-1" strike="noStrike">
-              <a:latin typeface="Arial"/>
-            </a:endParaRPr>
-          </a:p>
-        </p:txBody>
-      </p:sp>
-      <p:sp>
-        <p:nvSpPr>
-          <p:cNvPr id="79" name="CustomShape 2"/>
-          <p:cNvSpPr/>
-          <p:nvPr/>
-        </p:nvSpPr>
-        <p:spPr>
-          <a:xfrm>
-            <a:off x="914400" y="1280160"/>
-            <a:ext cx="6924240" cy="2925000"/>
-          </a:xfrm>
-          <a:prstGeom prst="rect">
-            <a:avLst/>
-          </a:prstGeom>
-          <a:noFill/>
-          <a:ln>
-            <a:noFill/>
-          </a:ln>
-        </p:spPr>
-        <p:style>
-          <a:lnRef idx="0"/>
-          <a:fillRef idx="0"/>
-          <a:effectRef idx="0"/>
-          <a:fontRef idx="minor"/>
-        </p:style>
-        <p:txBody>
-          <a:bodyPr lIns="90000" rIns="90000" tIns="91440" bIns="91440">
-            <a:noAutofit/>
-          </a:bodyPr>
-          <a:p>
-            <a:pPr>
-              <a:lnSpc>
-                <a:spcPct val="100000"/>
-              </a:lnSpc>
-              <a:tabLst>
-                <a:tab algn="l" pos="0"/>
-              </a:tabLst>
-            </a:pPr>
-            <a:r>
-              <a:rPr b="0" lang="en" sz="2000" spc="-1" strike="noStrike">
-                <a:solidFill>
-                  <a:srgbClr val="ffffff"/>
-                </a:solidFill>
-                <a:latin typeface="Montserrat"/>
-                <a:ea typeface="Montserrat"/>
-              </a:rPr>
-              <a:t>Discussing the benefits of large batch sizes in improving algorithm scalability and communication efficiency in deep learning training.</a:t>
-            </a:r>
-            <a:endParaRPr b="0" lang="en-US" sz="2000" spc="-1" strike="noStrike">
-              <a:latin typeface="Arial"/>
-            </a:endParaRPr>
-          </a:p>
-          <a:p>
-            <a:pPr>
-              <a:lnSpc>
-                <a:spcPct val="100000"/>
-              </a:lnSpc>
-              <a:tabLst>
-                <a:tab algn="l" pos="0"/>
-              </a:tabLst>
-            </a:pPr>
-            <a:endParaRPr b="0" lang="en-US" sz="2000" spc="-1" strike="noStrike">
-              <a:latin typeface="Arial"/>
-            </a:endParaRPr>
-          </a:p>
-          <a:p>
-            <a:pPr>
-              <a:lnSpc>
-                <a:spcPct val="100000"/>
-              </a:lnSpc>
-              <a:spcAft>
-                <a:spcPts val="1599"/>
-              </a:spcAft>
-              <a:tabLst>
-                <a:tab algn="l" pos="0"/>
-              </a:tabLst>
-            </a:pPr>
-            <a:endParaRPr b="0" lang="en-US" sz="2000" spc="-1" strike="noStrike">
-              <a:latin typeface="Arial"/>
-            </a:endParaRPr>
-          </a:p>
-        </p:txBody>
-      </p:sp>
-      <p:sp>
-        <p:nvSpPr>
-          <p:cNvPr id="80" name="CustomShape 3"/>
-          <p:cNvSpPr/>
-          <p:nvPr/>
-        </p:nvSpPr>
-        <p:spPr>
-          <a:xfrm>
-            <a:off x="1026360" y="414000"/>
-            <a:ext cx="2760840" cy="360"/>
-          </a:xfrm>
-          <a:custGeom>
-            <a:avLst/>
-            <a:gdLst/>
-            <a:ahLst/>
-            <a:rect l="l" t="t" r="r" b="b"/>
-            <a:pathLst>
-              <a:path w="21600" h="21600">
-                <a:moveTo>
-                  <a:pt x="0" y="0"/>
-                </a:moveTo>
-                <a:lnTo>
-                  <a:pt x="21600" y="21600"/>
-                </a:lnTo>
-              </a:path>
-            </a:pathLst>
-          </a:custGeom>
-          <a:noFill/>
-          <a:ln w="9360">
-            <a:solidFill>
-              <a:schemeClr val="accent1"/>
-            </a:solidFill>
-            <a:round/>
-          </a:ln>
-          <a:effectLst>
-            <a:outerShdw algn="bl" blurRad="57150" dir="5400000" dist="19080" rotWithShape="0">
-              <a:srgbClr val="ffffff">
-                <a:alpha val="50000"/>
-              </a:srgbClr>
-            </a:outerShdw>
-          </a:effectLst>
-        </p:spPr>
-        <p:style>
-          <a:lnRef idx="0"/>
-          <a:fillRef idx="0"/>
-          <a:effectRef idx="0"/>
-          <a:fontRef idx="minor"/>
-        </p:style>
-      </p:sp>
-    </p:spTree>
-  </p:cSld>
-  <p:clrMapOvr>
-    <a:masterClrMapping/>
-  </p:clrMapOvr>
-</p:sld>
-</file>
-
-<file path=ppt/slides/slide9.xml><?xml version="1.0" encoding="utf-8"?>
-<p:sld xmlns:a="http://schemas.openxmlformats.org/drawingml/2006/main" xmlns:p="http://schemas.openxmlformats.org/presentationml/2006/main" xmlns:r="http://schemas.openxmlformats.org/officeDocument/2006/relationships">
-  <p:cSld>
-    <p:spTree>
-      <p:nvGrpSpPr>
-        <p:cNvPr id="1" name=""/>
-        <p:cNvGrpSpPr/>
-        <p:nvPr/>
-      </p:nvGrpSpPr>
-      <p:grpSpPr/>
-      <p:sp>
-        <p:nvSpPr>
-          <p:cNvPr id="78" name="CustomShape 1"/>
-          <p:cNvSpPr/>
-          <p:nvPr/>
-        </p:nvSpPr>
-        <p:spPr>
-          <a:xfrm>
-            <a:off x="938520" y="444960"/>
-            <a:ext cx="5733720" cy="939240"/>
-          </a:xfrm>
-          <a:prstGeom prst="rect">
-            <a:avLst/>
-          </a:prstGeom>
-          <a:noFill/>
-          <a:ln>
-            <a:noFill/>
-          </a:ln>
-        </p:spPr>
-        <p:style>
-          <a:lnRef idx="0"/>
-          <a:fillRef idx="0"/>
-          <a:effectRef idx="0"/>
-          <a:fontRef idx="minor"/>
-        </p:style>
-        <p:txBody>
-          <a:bodyPr lIns="90000" rIns="90000" tIns="91440" bIns="91440">
-            <a:noAutofit/>
-          </a:bodyPr>
-          <a:p>
-            <a:pPr>
-              <a:lnSpc>
-                <a:spcPct val="100000"/>
-              </a:lnSpc>
-              <a:tabLst>
-                <a:tab algn="l" pos="0"/>
-              </a:tabLst>
-            </a:pPr>
-            <a:r>
-              <a:rPr b="0" lang="en" sz="2400" spc="-1" strike="noStrike">
-                <a:solidFill>
-                  <a:srgbClr val="ffab40"/>
-                </a:solidFill>
-                <a:latin typeface="Montserrat ExtraBold"/>
-                <a:ea typeface="Montserrat ExtraBold"/>
-              </a:rPr>
-              <a:t>Practical Implementations and Results</a:t>
-            </a:r>
-            <a:endParaRPr b="0" lang="en-US" sz="2400" spc="-1" strike="noStrike">
-              <a:latin typeface="Arial"/>
-            </a:endParaRPr>
-          </a:p>
-        </p:txBody>
-      </p:sp>
-      <p:sp>
-        <p:nvSpPr>
-          <p:cNvPr id="79" name="CustomShape 2"/>
-          <p:cNvSpPr/>
-          <p:nvPr/>
-        </p:nvSpPr>
-        <p:spPr>
-          <a:xfrm>
-            <a:off x="914400" y="1280160"/>
-            <a:ext cx="6924240" cy="2925000"/>
-          </a:xfrm>
-          <a:prstGeom prst="rect">
-            <a:avLst/>
-          </a:prstGeom>
-          <a:noFill/>
-          <a:ln>
-            <a:noFill/>
-          </a:ln>
-        </p:spPr>
-        <p:style>
-          <a:lnRef idx="0"/>
-          <a:fillRef idx="0"/>
-          <a:effectRef idx="0"/>
-          <a:fontRef idx="minor"/>
-        </p:style>
-        <p:txBody>
-          <a:bodyPr lIns="90000" rIns="90000" tIns="91440" bIns="91440">
-            <a:noAutofit/>
-          </a:bodyPr>
-          <a:p>
-            <a:pPr>
-              <a:lnSpc>
-                <a:spcPct val="100000"/>
-              </a:lnSpc>
-              <a:tabLst>
-                <a:tab algn="l" pos="0"/>
-              </a:tabLst>
-            </a:pPr>
-            <a:r>
-              <a:rPr b="0" lang="en" sz="2000" spc="-1" strike="noStrike">
-                <a:solidFill>
-                  <a:srgbClr val="ffffff"/>
-                </a:solidFill>
-                <a:latin typeface="Montserrat"/>
-                <a:ea typeface="Montserrat"/>
-              </a:rPr>
-              <a:t>Sharing results and experiences from training AlexNet and ResNet models using various hardware platforms and batch sizes.</a:t>
+              <a:t>
+- Proposed algorithm has important implications for large-scale deep learning training
+- Applicable to various applications such as computer vision, natural language processing, and speech recognition.</a:t>
             </a:r>
             <a:endParaRPr b="0" lang="en-US" sz="2000" spc="-1" strike="noStrike">
               <a:latin typeface="Arial"/>
